--- a/src/docs/slides.pptx
+++ b/src/docs/slides.pptx
@@ -12,10 +12,12 @@
     <p:sldId id="260" r:id="rId6"/>
     <p:sldId id="261" r:id="rId7"/>
     <p:sldId id="263" r:id="rId8"/>
-    <p:sldId id="262" r:id="rId9"/>
-    <p:sldId id="265" r:id="rId10"/>
-    <p:sldId id="266" r:id="rId11"/>
-    <p:sldId id="267" r:id="rId12"/>
+    <p:sldId id="268" r:id="rId9"/>
+    <p:sldId id="269" r:id="rId10"/>
+    <p:sldId id="262" r:id="rId11"/>
+    <p:sldId id="265" r:id="rId12"/>
+    <p:sldId id="266" r:id="rId13"/>
+    <p:sldId id="267" r:id="rId14"/>
   </p:sldIdLst>
   <p:sldSz cx="12192000" cy="6858000"/>
   <p:notesSz cx="6858000" cy="9144000"/>
@@ -5487,6 +5489,185 @@
         <p:spPr>
           <a:xfrm>
             <a:off x="684212" y="685800"/>
+            <a:ext cx="10517188" cy="800100"/>
+          </a:xfrm>
+        </p:spPr>
+        <p:txBody>
+          <a:bodyPr>
+            <a:normAutofit lnSpcReduction="10000"/>
+          </a:bodyPr>
+          <a:lstStyle/>
+          <a:p>
+            <a:pPr marL="0" indent="0">
+              <a:buNone/>
+            </a:pPr>
+            <a:r>
+              <a:rPr lang="en-US" dirty="0"/>
+              <a:t>Some snapshots::</a:t>
+            </a:r>
+          </a:p>
+          <a:p>
+            <a:pPr marL="0" indent="0">
+              <a:buNone/>
+            </a:pPr>
+            <a:r>
+              <a:rPr lang="en-US" dirty="0"/>
+              <a:t>Main page</a:t>
+            </a:r>
+          </a:p>
+        </p:txBody>
+      </p:sp>
+      <p:pic>
+        <p:nvPicPr>
+          <p:cNvPr id="4" name="Picture 3"/>
+          <p:cNvPicPr>
+            <a:picLocks noChangeAspect="1"/>
+          </p:cNvPicPr>
+          <p:nvPr/>
+        </p:nvPicPr>
+        <p:blipFill>
+          <a:blip r:embed="rId2"/>
+          <a:stretch>
+            <a:fillRect/>
+          </a:stretch>
+        </p:blipFill>
+        <p:spPr>
+          <a:xfrm>
+            <a:off x="755896" y="1601223"/>
+            <a:ext cx="8519989" cy="4594888"/>
+          </a:xfrm>
+          <a:prstGeom prst="rect">
+            <a:avLst/>
+          </a:prstGeom>
+        </p:spPr>
+      </p:pic>
+    </p:spTree>
+    <p:extLst>
+      <p:ext uri="{BB962C8B-B14F-4D97-AF65-F5344CB8AC3E}">
+        <p14:creationId xmlns:p14="http://schemas.microsoft.com/office/powerpoint/2010/main" val="1176431171"/>
+      </p:ext>
+    </p:extLst>
+  </p:cSld>
+  <p:clrMapOvr>
+    <a:masterClrMapping/>
+  </p:clrMapOvr>
+</p:sld>
+</file>
+
+<file path=ppt/slides/slide11.xml><?xml version="1.0" encoding="utf-8"?>
+<p:sld xmlns:a="http://schemas.openxmlformats.org/drawingml/2006/main" xmlns:r="http://schemas.openxmlformats.org/officeDocument/2006/relationships" xmlns:p="http://schemas.openxmlformats.org/presentationml/2006/main">
+  <p:cSld>
+    <p:spTree>
+      <p:nvGrpSpPr>
+        <p:cNvPr id="1" name=""/>
+        <p:cNvGrpSpPr/>
+        <p:nvPr/>
+      </p:nvGrpSpPr>
+      <p:grpSpPr>
+        <a:xfrm>
+          <a:off x="0" y="0"/>
+          <a:ext cx="0" cy="0"/>
+          <a:chOff x="0" y="0"/>
+          <a:chExt cx="0" cy="0"/>
+        </a:xfrm>
+      </p:grpSpPr>
+      <p:sp>
+        <p:nvSpPr>
+          <p:cNvPr id="3" name="Content Placeholder 2"/>
+          <p:cNvSpPr>
+            <a:spLocks noGrp="1"/>
+          </p:cNvSpPr>
+          <p:nvPr>
+            <p:ph idx="1"/>
+          </p:nvPr>
+        </p:nvSpPr>
+        <p:spPr>
+          <a:xfrm>
+            <a:off x="684212" y="685800"/>
+            <a:ext cx="8534400" cy="720969"/>
+          </a:xfrm>
+        </p:spPr>
+        <p:txBody>
+          <a:bodyPr/>
+          <a:lstStyle/>
+          <a:p>
+            <a:pPr marL="0" indent="0">
+              <a:buNone/>
+            </a:pPr>
+            <a:r>
+              <a:rPr lang="en-US" dirty="0"/>
+              <a:t>Add Library Member</a:t>
+            </a:r>
+          </a:p>
+        </p:txBody>
+      </p:sp>
+      <p:pic>
+        <p:nvPicPr>
+          <p:cNvPr id="4" name="Picture 3"/>
+          <p:cNvPicPr>
+            <a:picLocks noChangeAspect="1"/>
+          </p:cNvPicPr>
+          <p:nvPr/>
+        </p:nvPicPr>
+        <p:blipFill>
+          <a:blip r:embed="rId2"/>
+          <a:stretch>
+            <a:fillRect/>
+          </a:stretch>
+        </p:blipFill>
+        <p:spPr>
+          <a:xfrm>
+            <a:off x="762451" y="1307908"/>
+            <a:ext cx="4020111" cy="4505954"/>
+          </a:xfrm>
+          <a:prstGeom prst="rect">
+            <a:avLst/>
+          </a:prstGeom>
+        </p:spPr>
+      </p:pic>
+    </p:spTree>
+    <p:extLst>
+      <p:ext uri="{BB962C8B-B14F-4D97-AF65-F5344CB8AC3E}">
+        <p14:creationId xmlns:p14="http://schemas.microsoft.com/office/powerpoint/2010/main" val="680774088"/>
+      </p:ext>
+    </p:extLst>
+  </p:cSld>
+  <p:clrMapOvr>
+    <a:masterClrMapping/>
+  </p:clrMapOvr>
+</p:sld>
+</file>
+
+<file path=ppt/slides/slide12.xml><?xml version="1.0" encoding="utf-8"?>
+<p:sld xmlns:a="http://schemas.openxmlformats.org/drawingml/2006/main" xmlns:r="http://schemas.openxmlformats.org/officeDocument/2006/relationships" xmlns:p="http://schemas.openxmlformats.org/presentationml/2006/main">
+  <p:cSld>
+    <p:spTree>
+      <p:nvGrpSpPr>
+        <p:cNvPr id="1" name=""/>
+        <p:cNvGrpSpPr/>
+        <p:nvPr/>
+      </p:nvGrpSpPr>
+      <p:grpSpPr>
+        <a:xfrm>
+          <a:off x="0" y="0"/>
+          <a:ext cx="0" cy="0"/>
+          <a:chOff x="0" y="0"/>
+          <a:chExt cx="0" cy="0"/>
+        </a:xfrm>
+      </p:grpSpPr>
+      <p:sp>
+        <p:nvSpPr>
+          <p:cNvPr id="3" name="Content Placeholder 2"/>
+          <p:cNvSpPr>
+            <a:spLocks noGrp="1"/>
+          </p:cNvSpPr>
+          <p:nvPr>
+            <p:ph idx="1"/>
+          </p:nvPr>
+        </p:nvSpPr>
+        <p:spPr>
+          <a:xfrm>
+            <a:off x="684212" y="685800"/>
             <a:ext cx="8534400" cy="747346"/>
           </a:xfrm>
         </p:spPr>
@@ -5541,7 +5722,7 @@
 </p:sld>
 </file>
 
-<file path=ppt/slides/slide11.xml><?xml version="1.0" encoding="utf-8"?>
+<file path=ppt/slides/slide13.xml><?xml version="1.0" encoding="utf-8"?>
 <p:sld xmlns:a="http://schemas.openxmlformats.org/drawingml/2006/main" xmlns:r="http://schemas.openxmlformats.org/officeDocument/2006/relationships" xmlns:p="http://schemas.openxmlformats.org/presentationml/2006/main">
   <p:cSld>
     <p:spTree>
@@ -6167,22 +6348,28 @@
       </p:sp>
       <p:pic>
         <p:nvPicPr>
-          <p:cNvPr id="5" name="Picture 4"/>
+          <p:cNvPr id="2" name="Picture 1"/>
           <p:cNvPicPr>
             <a:picLocks noChangeAspect="1"/>
           </p:cNvPicPr>
           <p:nvPr/>
         </p:nvPicPr>
         <p:blipFill>
-          <a:blip r:embed="rId2"/>
+          <a:blip r:embed="rId2">
+            <a:extLst>
+              <a:ext uri="{28A0092B-C50C-407E-A947-70E740481C1C}">
+                <a14:useLocalDpi xmlns:a14="http://schemas.microsoft.com/office/drawing/2010/main" val="0"/>
+              </a:ext>
+            </a:extLst>
+          </a:blip>
           <a:stretch>
             <a:fillRect/>
           </a:stretch>
         </p:blipFill>
         <p:spPr>
           <a:xfrm>
-            <a:off x="830141" y="1222129"/>
-            <a:ext cx="7883036" cy="5310555"/>
+            <a:off x="450761" y="1292469"/>
+            <a:ext cx="8950414" cy="5121211"/>
           </a:xfrm>
           <a:prstGeom prst="rect">
             <a:avLst/>
@@ -6232,37 +6419,24 @@
         <p:spPr>
           <a:xfrm>
             <a:off x="684212" y="685800"/>
-            <a:ext cx="10517188" cy="800100"/>
+            <a:ext cx="8534400" cy="627845"/>
           </a:xfrm>
         </p:spPr>
         <p:txBody>
-          <a:bodyPr>
-            <a:normAutofit lnSpcReduction="10000"/>
-          </a:bodyPr>
-          <a:lstStyle/>
-          <a:p>
-            <a:pPr marL="0" indent="0">
-              <a:buNone/>
-            </a:pPr>
-            <a:r>
-              <a:rPr lang="en-US" dirty="0"/>
-              <a:t>Some snapshots::</a:t>
-            </a:r>
-          </a:p>
-          <a:p>
-            <a:pPr marL="0" indent="0">
-              <a:buNone/>
-            </a:pPr>
-            <a:r>
-              <a:rPr lang="en-US" dirty="0"/>
-              <a:t>Main page</a:t>
-            </a:r>
+          <a:bodyPr/>
+          <a:lstStyle/>
+          <a:p>
+            <a:r>
+              <a:rPr lang="en-US" dirty="0" smtClean="0"/>
+              <a:t>Extra credit Add book</a:t>
+            </a:r>
+            <a:endParaRPr lang="en-US" dirty="0"/>
           </a:p>
         </p:txBody>
       </p:sp>
       <p:pic>
         <p:nvPicPr>
-          <p:cNvPr id="4" name="Picture 3"/>
+          <p:cNvPr id="5" name="Picture 4"/>
           <p:cNvPicPr>
             <a:picLocks noChangeAspect="1"/>
           </p:cNvPicPr>
@@ -6276,8 +6450,8 @@
         </p:blipFill>
         <p:spPr>
           <a:xfrm>
-            <a:off x="755896" y="1601223"/>
-            <a:ext cx="8519989" cy="4594888"/>
+            <a:off x="684211" y="1493949"/>
+            <a:ext cx="10945411" cy="5083063"/>
           </a:xfrm>
           <a:prstGeom prst="rect">
             <a:avLst/>
@@ -6287,7 +6461,7 @@
     </p:spTree>
     <p:extLst>
       <p:ext uri="{BB962C8B-B14F-4D97-AF65-F5344CB8AC3E}">
-        <p14:creationId xmlns:p14="http://schemas.microsoft.com/office/powerpoint/2010/main" val="1176431171"/>
+        <p14:creationId xmlns:p14="http://schemas.microsoft.com/office/powerpoint/2010/main" val="4179562658"/>
       </p:ext>
     </p:extLst>
   </p:cSld>
@@ -6326,21 +6500,19 @@
         </p:nvSpPr>
         <p:spPr>
           <a:xfrm>
-            <a:off x="684212" y="685800"/>
-            <a:ext cx="8534400" cy="720969"/>
+            <a:off x="684212" y="685801"/>
+            <a:ext cx="8534400" cy="589208"/>
           </a:xfrm>
         </p:spPr>
         <p:txBody>
           <a:bodyPr/>
           <a:lstStyle/>
           <a:p>
-            <a:pPr marL="0" indent="0">
-              <a:buNone/>
-            </a:pPr>
-            <a:r>
-              <a:rPr lang="en-US" dirty="0"/>
-              <a:t>Add Library Member</a:t>
-            </a:r>
+            <a:r>
+              <a:rPr lang="en-US" dirty="0" smtClean="0"/>
+              <a:t>Extra Credit Edit Book</a:t>
+            </a:r>
+            <a:endParaRPr lang="en-US" dirty="0"/>
           </a:p>
         </p:txBody>
       </p:sp>
@@ -6360,8 +6532,8 @@
         </p:blipFill>
         <p:spPr>
           <a:xfrm>
-            <a:off x="762451" y="1307908"/>
-            <a:ext cx="4020111" cy="4505954"/>
+            <a:off x="2009104" y="1460203"/>
+            <a:ext cx="7101303" cy="4270896"/>
           </a:xfrm>
           <a:prstGeom prst="rect">
             <a:avLst/>
@@ -6371,7 +6543,7 @@
     </p:spTree>
     <p:extLst>
       <p:ext uri="{BB962C8B-B14F-4D97-AF65-F5344CB8AC3E}">
-        <p14:creationId xmlns:p14="http://schemas.microsoft.com/office/powerpoint/2010/main" val="680774088"/>
+        <p14:creationId xmlns:p14="http://schemas.microsoft.com/office/powerpoint/2010/main" val="729574916"/>
       </p:ext>
     </p:extLst>
   </p:cSld>
